--- a/Presentations/pynga_Feng20121012.pptx
+++ b/Presentations/pynga_Feng20121012.pptx
@@ -6,10 +6,10 @@
     <p:sldMasterId r:id="rId2"/>
   </p:sldMasterIdLst>
   <p:notesMasterIdLst>
-    <p:notesMasterId r:id="rId15"/>
+    <p:notesMasterId r:id="rId16"/>
   </p:notesMasterIdLst>
   <p:handoutMasterIdLst>
-    <p:handoutMasterId r:id="rId16"/>
+    <p:handoutMasterId r:id="rId17"/>
   </p:handoutMasterIdLst>
   <p:sldIdLst>
     <p:sldId id="1798" r:id="rId3"/>
@@ -22,8 +22,9 @@
     <p:sldId id="1876" r:id="rId10"/>
     <p:sldId id="1868" r:id="rId11"/>
     <p:sldId id="1877" r:id="rId12"/>
-    <p:sldId id="1878" r:id="rId13"/>
-    <p:sldId id="1879" r:id="rId14"/>
+    <p:sldId id="1880" r:id="rId13"/>
+    <p:sldId id="1878" r:id="rId14"/>
+    <p:sldId id="1879" r:id="rId15"/>
   </p:sldIdLst>
   <p:sldSz cx="9144000" cy="6858000" type="screen4x3"/>
   <p:notesSz cx="6985000" cy="9271000"/>
@@ -6059,6 +6060,214 @@
           <a:chExt cx="0" cy="0"/>
         </a:xfrm>
       </p:grpSpPr>
+      <p:sp>
+        <p:nvSpPr>
+          <p:cNvPr id="2" name="Slide Number Placeholder 1"/>
+          <p:cNvSpPr>
+            <a:spLocks noGrp="1"/>
+          </p:cNvSpPr>
+          <p:nvPr>
+            <p:ph type="sldNum" sz="quarter" idx="12"/>
+          </p:nvPr>
+        </p:nvSpPr>
+        <p:spPr/>
+        <p:txBody>
+          <a:bodyPr/>
+          <a:lstStyle/>
+          <a:p>
+            <a:pPr>
+              <a:defRPr/>
+            </a:pPr>
+            <a:fld id="{2C7B1E2B-50C7-644F-B512-8A9544698C0F}" type="slidenum">
+              <a:rPr lang="en-US" smtClean="0"/>
+              <a:pPr>
+                <a:defRPr/>
+              </a:pPr>
+              <a:t>10</a:t>
+            </a:fld>
+            <a:endParaRPr lang="en-US" sz="1200"/>
+          </a:p>
+        </p:txBody>
+      </p:sp>
+      <p:sp>
+        <p:nvSpPr>
+          <p:cNvPr id="11" name="TextBox 10"/>
+          <p:cNvSpPr txBox="1"/>
+          <p:nvPr/>
+        </p:nvSpPr>
+        <p:spPr>
+          <a:xfrm>
+            <a:off x="3200400" y="533400"/>
+            <a:ext cx="2286000" cy="584776"/>
+          </a:xfrm>
+          <a:prstGeom prst="rect">
+            <a:avLst/>
+          </a:prstGeom>
+          <a:noFill/>
+        </p:spPr>
+        <p:txBody>
+          <a:bodyPr wrap="square" rtlCol="0">
+            <a:spAutoFit/>
+          </a:bodyPr>
+          <a:lstStyle/>
+          <a:p>
+            <a:r>
+              <a:rPr lang="en-US" sz="3200" b="1" dirty="0" smtClean="0">
+                <a:solidFill>
+                  <a:schemeClr val="tx1"/>
+                </a:solidFill>
+              </a:rPr>
+              <a:t>Examples</a:t>
+            </a:r>
+            <a:endParaRPr lang="en-US" sz="3200" b="1" dirty="0">
+              <a:solidFill>
+                <a:schemeClr val="tx1"/>
+              </a:solidFill>
+            </a:endParaRPr>
+          </a:p>
+        </p:txBody>
+      </p:sp>
+      <p:sp>
+        <p:nvSpPr>
+          <p:cNvPr id="12" name="TextBox 11"/>
+          <p:cNvSpPr txBox="1"/>
+          <p:nvPr/>
+        </p:nvSpPr>
+        <p:spPr>
+          <a:xfrm>
+            <a:off x="152400" y="1138535"/>
+            <a:ext cx="4800600" cy="461665"/>
+          </a:xfrm>
+          <a:prstGeom prst="rect">
+            <a:avLst/>
+          </a:prstGeom>
+          <a:noFill/>
+        </p:spPr>
+        <p:txBody>
+          <a:bodyPr wrap="square" rtlCol="0">
+            <a:spAutoFit/>
+          </a:bodyPr>
+          <a:lstStyle/>
+          <a:p>
+            <a:r>
+              <a:rPr lang="en-US" sz="2400" dirty="0" smtClean="0">
+                <a:solidFill>
+                  <a:srgbClr val="000000"/>
+                </a:solidFill>
+              </a:rPr>
+              <a:t>SRF-type fault geometry</a:t>
+            </a:r>
+          </a:p>
+        </p:txBody>
+      </p:sp>
+      <p:pic>
+        <p:nvPicPr>
+          <p:cNvPr id="7" name="Picture 6" descr="cybershk_sites.3.SelectRups.pdf"/>
+          <p:cNvPicPr>
+            <a:picLocks noChangeAspect="1"/>
+          </p:cNvPicPr>
+          <p:nvPr/>
+        </p:nvPicPr>
+        <mc:AlternateContent>
+          <mc:Choice xmlns:ma="http://schemas.microsoft.com/office/mac/drawingml/2008/main" Requires="ma">
+            <p:blipFill>
+              <a:blip r:embed="rId2"/>
+              <a:srcRect l="10870" t="12305" r="15217" b="6171"/>
+              <a:stretch>
+                <a:fillRect/>
+              </a:stretch>
+            </p:blipFill>
+          </mc:Choice>
+          <mc:Fallback>
+            <p:blipFill>
+              <a:blip r:embed="rId3"/>
+              <a:srcRect l="10870" t="12305" r="15217" b="6171"/>
+              <a:stretch>
+                <a:fillRect/>
+              </a:stretch>
+            </p:blipFill>
+          </mc:Fallback>
+        </mc:AlternateContent>
+        <p:spPr>
+          <a:xfrm>
+            <a:off x="228600" y="1676400"/>
+            <a:ext cx="6477000" cy="5048250"/>
+          </a:xfrm>
+          <a:prstGeom prst="rect">
+            <a:avLst/>
+          </a:prstGeom>
+        </p:spPr>
+      </p:pic>
+      <p:sp>
+        <p:nvSpPr>
+          <p:cNvPr id="8" name="TextBox 7"/>
+          <p:cNvSpPr txBox="1"/>
+          <p:nvPr/>
+        </p:nvSpPr>
+        <p:spPr>
+          <a:xfrm>
+            <a:off x="7010400" y="2667000"/>
+            <a:ext cx="1828800" cy="307777"/>
+          </a:xfrm>
+          <a:prstGeom prst="rect">
+            <a:avLst/>
+          </a:prstGeom>
+          <a:noFill/>
+        </p:spPr>
+        <p:txBody>
+          <a:bodyPr wrap="square" rtlCol="0">
+            <a:spAutoFit/>
+          </a:bodyPr>
+          <a:lstStyle/>
+          <a:p>
+            <a:r>
+              <a:rPr lang="en-US" dirty="0" smtClean="0">
+                <a:solidFill>
+                  <a:srgbClr val="000000"/>
+                </a:solidFill>
+              </a:rPr>
+              <a:t>Site locations</a:t>
+            </a:r>
+            <a:endParaRPr lang="en-US" dirty="0">
+              <a:solidFill>
+                <a:srgbClr val="000000"/>
+              </a:solidFill>
+            </a:endParaRPr>
+          </a:p>
+        </p:txBody>
+      </p:sp>
+    </p:spTree>
+  </p:cSld>
+  <p:clrMapOvr>
+    <a:masterClrMapping/>
+  </p:clrMapOvr>
+  <p:timing>
+    <p:tnLst>
+      <p:par>
+        <p:cTn id="1" dur="indefinite" restart="never" nodeType="tmRoot"/>
+      </p:par>
+    </p:tnLst>
+  </p:timing>
+</p:sld>
+</file>
+
+<file path=ppt/slides/slide11.xml><?xml version="1.0" encoding="utf-8"?>
+<p:sld xmlns:a="http://schemas.openxmlformats.org/drawingml/2006/main" xmlns:r="http://schemas.openxmlformats.org/officeDocument/2006/relationships" xmlns:mc="http://schemas.openxmlformats.org/markup-compatibility/2006" xmlns:mv="urn:schemas-microsoft-com:mac:vml" xmlns:p="http://schemas.openxmlformats.org/presentationml/2006/main" mc:Ignorable="mv" mc:PreserveAttributes="mv:*">
+  <p:cSld>
+    <p:spTree>
+      <p:nvGrpSpPr>
+        <p:cNvPr id="1" name=""/>
+        <p:cNvGrpSpPr/>
+        <p:nvPr/>
+      </p:nvGrpSpPr>
+      <p:grpSpPr>
+        <a:xfrm>
+          <a:off x="0" y="0"/>
+          <a:ext cx="0" cy="0"/>
+          <a:chOff x="0" y="0"/>
+          <a:chExt cx="0" cy="0"/>
+        </a:xfrm>
+      </p:grpSpPr>
       <p:pic>
         <p:nvPicPr>
           <p:cNvPr id="10" name="Picture 9" descr="CptDistOscatterSrc158.png"/>
@@ -6106,7 +6315,7 @@
               <a:pPr>
                 <a:defRPr/>
               </a:pPr>
-              <a:t>10</a:t>
+              <a:t>11</a:t>
             </a:fld>
             <a:endParaRPr lang="en-US" sz="1200"/>
           </a:p>
@@ -6232,31 +6441,7 @@
                   <a:srgbClr val="000000"/>
                 </a:solidFill>
               </a:rPr>
-              <a:t>SRF</a:t>
-            </a:r>
-            <a:r>
-              <a:rPr lang="en-US" sz="2400" dirty="0" smtClean="0">
-                <a:solidFill>
-                  <a:srgbClr val="000000"/>
-                </a:solidFill>
-              </a:rPr>
-              <a:t>-</a:t>
-            </a:r>
-            <a:r>
-              <a:rPr lang="en-US" sz="2400" dirty="0" smtClean="0">
-                <a:solidFill>
-                  <a:srgbClr val="000000"/>
-                </a:solidFill>
-              </a:rPr>
-              <a:t>type fault </a:t>
-            </a:r>
-            <a:r>
-              <a:rPr lang="en-US" sz="2400" dirty="0" smtClean="0">
-                <a:solidFill>
-                  <a:srgbClr val="000000"/>
-                </a:solidFill>
-              </a:rPr>
-              <a:t>geometry</a:t>
+              <a:t>SRF-type fault geometry</a:t>
             </a:r>
           </a:p>
         </p:txBody>
@@ -6276,7 +6461,7 @@
 </p:sld>
 </file>
 
-<file path=ppt/slides/slide11.xml><?xml version="1.0" encoding="utf-8"?>
+<file path=ppt/slides/slide12.xml><?xml version="1.0" encoding="utf-8"?>
 <p:sld xmlns:a="http://schemas.openxmlformats.org/drawingml/2006/main" xmlns:r="http://schemas.openxmlformats.org/officeDocument/2006/relationships" xmlns:mc="http://schemas.openxmlformats.org/markup-compatibility/2006" xmlns:mv="urn:schemas-microsoft-com:mac:vml" xmlns:p="http://schemas.openxmlformats.org/presentationml/2006/main" mc:Ignorable="mv" mc:PreserveAttributes="mv:*">
   <p:cSld>
     <p:spTree>
@@ -6340,7 +6525,7 @@
               <a:pPr>
                 <a:defRPr/>
               </a:pPr>
-              <a:t>11</a:t>
+              <a:t>12</a:t>
             </a:fld>
             <a:endParaRPr lang="en-US" sz="1200"/>
           </a:p>
@@ -6374,31 +6559,7 @@
                   <a:srgbClr val="000000"/>
                 </a:solidFill>
               </a:rPr>
-              <a:t>SRF</a:t>
-            </a:r>
-            <a:r>
-              <a:rPr lang="en-US" sz="2400" dirty="0" smtClean="0">
-                <a:solidFill>
-                  <a:srgbClr val="000000"/>
-                </a:solidFill>
-              </a:rPr>
-              <a:t>-</a:t>
-            </a:r>
-            <a:r>
-              <a:rPr lang="en-US" sz="2400" dirty="0" smtClean="0">
-                <a:solidFill>
-                  <a:srgbClr val="000000"/>
-                </a:solidFill>
-              </a:rPr>
-              <a:t>type fault </a:t>
-            </a:r>
-            <a:r>
-              <a:rPr lang="en-US" sz="2400" dirty="0" smtClean="0">
-                <a:solidFill>
-                  <a:srgbClr val="000000"/>
-                </a:solidFill>
-              </a:rPr>
-              <a:t>geometry</a:t>
+              <a:t>SRF-type fault geometry</a:t>
             </a:r>
           </a:p>
         </p:txBody>
@@ -6526,7 +6687,7 @@
 </p:sld>
 </file>
 
-<file path=ppt/slides/slide12.xml><?xml version="1.0" encoding="utf-8"?>
+<file path=ppt/slides/slide13.xml><?xml version="1.0" encoding="utf-8"?>
 <p:sld xmlns:a="http://schemas.openxmlformats.org/drawingml/2006/main" xmlns:r="http://schemas.openxmlformats.org/officeDocument/2006/relationships" xmlns:mc="http://schemas.openxmlformats.org/markup-compatibility/2006" xmlns:mv="urn:schemas-microsoft-com:mac:vml" xmlns:p="http://schemas.openxmlformats.org/presentationml/2006/main" mc:Ignorable="mv" mc:PreserveAttributes="mv:*">
   <p:cSld>
     <p:spTree>
@@ -6590,7 +6751,7 @@
               <a:pPr>
                 <a:defRPr/>
               </a:pPr>
-              <a:t>12</a:t>
+              <a:t>13</a:t>
             </a:fld>
             <a:endParaRPr lang="en-US" sz="1200"/>
           </a:p>
@@ -9318,8 +9479,8 @@
           </p:cNvPicPr>
           <p:nvPr/>
         </p:nvPicPr>
-        <mc:AlternateContent xmlns:ma="http://schemas.microsoft.com/office/mac/drawingml/2008/main">
-          <mc:Choice Requires="ma">
+        <mc:AlternateContent>
+          <mc:Choice xmlns:ma="http://schemas.microsoft.com/office/mac/drawingml/2008/main" Requires="ma">
             <p:blipFill>
               <a:blip r:embed="rId2"/>
               <a:stretch>
@@ -9327,7 +9488,7 @@
               </a:stretch>
             </p:blipFill>
           </mc:Choice>
-          <mc:Fallback xmlns:p="http://schemas.openxmlformats.org/presentationml/2006/main" xmlns:mv="urn:schemas-microsoft-com:mac:vml" xmlns:mc="http://schemas.openxmlformats.org/markup-compatibility/2006" xmlns:r="http://schemas.openxmlformats.org/officeDocument/2006/relationships" xmlns:a="http://schemas.openxmlformats.org/drawingml/2006/main" xmlns="">
+          <mc:Fallback>
             <p:blipFill>
               <a:blip r:embed="rId3"/>
               <a:stretch>
@@ -9519,8 +9680,8 @@
           </p:cNvPicPr>
           <p:nvPr/>
         </p:nvPicPr>
-        <mc:AlternateContent xmlns:ma="http://schemas.microsoft.com/office/mac/drawingml/2008/main">
-          <mc:Choice Requires="ma">
+        <mc:AlternateContent>
+          <mc:Choice xmlns:ma="http://schemas.microsoft.com/office/mac/drawingml/2008/main" Requires="ma">
             <p:blipFill>
               <a:blip r:embed="rId2"/>
               <a:stretch>
@@ -9528,7 +9689,7 @@
               </a:stretch>
             </p:blipFill>
           </mc:Choice>
-          <mc:Fallback xmlns:p="http://schemas.openxmlformats.org/presentationml/2006/main" xmlns:mv="urn:schemas-microsoft-com:mac:vml" xmlns:mc="http://schemas.openxmlformats.org/markup-compatibility/2006" xmlns:r="http://schemas.openxmlformats.org/officeDocument/2006/relationships" xmlns:a="http://schemas.openxmlformats.org/drawingml/2006/main" xmlns="">
+          <mc:Fallback>
             <p:blipFill>
               <a:blip r:embed="rId3"/>
               <a:stretch>
@@ -9625,8 +9786,8 @@
           </p:cNvPicPr>
           <p:nvPr/>
         </p:nvPicPr>
-        <mc:AlternateContent xmlns:ma="http://schemas.microsoft.com/office/mac/drawingml/2008/main">
-          <mc:Choice Requires="ma">
+        <mc:AlternateContent>
+          <mc:Choice xmlns:ma="http://schemas.microsoft.com/office/mac/drawingml/2008/main" Requires="ma">
             <p:blipFill>
               <a:blip r:embed="rId2"/>
               <a:stretch>
@@ -9634,7 +9795,7 @@
               </a:stretch>
             </p:blipFill>
           </mc:Choice>
-          <mc:Fallback xmlns:p="http://schemas.openxmlformats.org/presentationml/2006/main" xmlns:mv="urn:schemas-microsoft-com:mac:vml" xmlns:mc="http://schemas.openxmlformats.org/markup-compatibility/2006" xmlns:r="http://schemas.openxmlformats.org/officeDocument/2006/relationships" xmlns:a="http://schemas.openxmlformats.org/drawingml/2006/main" xmlns="">
+          <mc:Fallback>
             <p:blipFill>
               <a:blip r:embed="rId3"/>
               <a:stretch>
@@ -9789,8 +9950,8 @@
           </p:cNvPicPr>
           <p:nvPr/>
         </p:nvPicPr>
-        <mc:AlternateContent xmlns:ma="http://schemas.microsoft.com/office/mac/drawingml/2008/main">
-          <mc:Choice Requires="ma">
+        <mc:AlternateContent>
+          <mc:Choice xmlns:ma="http://schemas.microsoft.com/office/mac/drawingml/2008/main" Requires="ma">
             <p:blipFill>
               <a:blip r:embed="rId2"/>
               <a:stretch>
@@ -9798,7 +9959,7 @@
               </a:stretch>
             </p:blipFill>
           </mc:Choice>
-          <mc:Fallback xmlns:p="http://schemas.openxmlformats.org/presentationml/2006/main" xmlns:mv="urn:schemas-microsoft-com:mac:vml" xmlns:mc="http://schemas.openxmlformats.org/markup-compatibility/2006" xmlns:r="http://schemas.openxmlformats.org/officeDocument/2006/relationships" xmlns:a="http://schemas.openxmlformats.org/drawingml/2006/main" xmlns="">
+          <mc:Fallback>
             <p:blipFill>
               <a:blip r:embed="rId3"/>
               <a:stretch>

--- a/Presentations/pynga_Feng20121012.pptx
+++ b/Presentations/pynga_Feng20121012.pptx
@@ -6160,9 +6160,42 @@
           </a:p>
         </p:txBody>
       </p:sp>
+      <p:sp>
+        <p:nvSpPr>
+          <p:cNvPr id="8" name="TextBox 7"/>
+          <p:cNvSpPr txBox="1"/>
+          <p:nvPr/>
+        </p:nvSpPr>
+        <p:spPr>
+          <a:xfrm>
+            <a:off x="6858000" y="2866072"/>
+            <a:ext cx="1828800" cy="1477328"/>
+          </a:xfrm>
+          <a:prstGeom prst="rect">
+            <a:avLst/>
+          </a:prstGeom>
+          <a:noFill/>
+        </p:spPr>
+        <p:txBody>
+          <a:bodyPr wrap="square" rtlCol="0">
+            <a:spAutoFit/>
+          </a:bodyPr>
+          <a:lstStyle/>
+          <a:p>
+            <a:r>
+              <a:rPr lang="en-US" sz="1800" dirty="0" smtClean="0">
+                <a:solidFill>
+                  <a:srgbClr val="000000"/>
+                </a:solidFill>
+              </a:rPr>
+              <a:t>Site locations (black square) and fault surface trace (blue line)</a:t>
+            </a:r>
+          </a:p>
+        </p:txBody>
+      </p:sp>
       <p:pic>
         <p:nvPicPr>
-          <p:cNvPr id="7" name="Picture 6" descr="cybershk_sites.3.SelectRups.pdf"/>
+          <p:cNvPr id="9" name="Picture 8" descr="cybershk_sites.3.SelectRups.pdf"/>
           <p:cNvPicPr>
             <a:picLocks noChangeAspect="1"/>
           </p:cNvPicPr>
@@ -6172,7 +6205,7 @@
           <mc:Choice xmlns:ma="http://schemas.microsoft.com/office/mac/drawingml/2008/main" Requires="ma">
             <p:blipFill>
               <a:blip r:embed="rId2"/>
-              <a:srcRect l="10870" t="12305" r="15217" b="6171"/>
+              <a:srcRect l="11667" t="13443" r="14167" b="6367"/>
               <a:stretch>
                 <a:fillRect/>
               </a:stretch>
@@ -6181,7 +6214,7 @@
           <mc:Fallback>
             <p:blipFill>
               <a:blip r:embed="rId3"/>
-              <a:srcRect l="10870" t="12305" r="15217" b="6171"/>
+              <a:srcRect l="11667" t="13443" r="14167" b="6367"/>
               <a:stretch>
                 <a:fillRect/>
               </a:stretch>
@@ -6190,52 +6223,14 @@
         </mc:AlternateContent>
         <p:spPr>
           <a:xfrm>
-            <a:off x="228600" y="1676400"/>
-            <a:ext cx="6477000" cy="5048250"/>
+            <a:off x="76200" y="1676400"/>
+            <a:ext cx="6781800" cy="5181600"/>
           </a:xfrm>
           <a:prstGeom prst="rect">
             <a:avLst/>
           </a:prstGeom>
         </p:spPr>
       </p:pic>
-      <p:sp>
-        <p:nvSpPr>
-          <p:cNvPr id="8" name="TextBox 7"/>
-          <p:cNvSpPr txBox="1"/>
-          <p:nvPr/>
-        </p:nvSpPr>
-        <p:spPr>
-          <a:xfrm>
-            <a:off x="7010400" y="2667000"/>
-            <a:ext cx="1828800" cy="307777"/>
-          </a:xfrm>
-          <a:prstGeom prst="rect">
-            <a:avLst/>
-          </a:prstGeom>
-          <a:noFill/>
-        </p:spPr>
-        <p:txBody>
-          <a:bodyPr wrap="square" rtlCol="0">
-            <a:spAutoFit/>
-          </a:bodyPr>
-          <a:lstStyle/>
-          <a:p>
-            <a:r>
-              <a:rPr lang="en-US" dirty="0" smtClean="0">
-                <a:solidFill>
-                  <a:srgbClr val="000000"/>
-                </a:solidFill>
-              </a:rPr>
-              <a:t>Site locations</a:t>
-            </a:r>
-            <a:endParaRPr lang="en-US" dirty="0">
-              <a:solidFill>
-                <a:srgbClr val="000000"/>
-              </a:solidFill>
-            </a:endParaRPr>
-          </a:p>
-        </p:txBody>
-      </p:sp>
     </p:spTree>
   </p:cSld>
   <p:clrMapOvr>
@@ -6277,7 +6272,7 @@
           <p:nvPr/>
         </p:nvPicPr>
         <p:blipFill>
-          <a:blip r:embed="rId2"/>
+          <a:blip r:embed="rId3"/>
           <a:stretch>
             <a:fillRect/>
           </a:stretch>
@@ -6446,6 +6441,64 @@
           </a:p>
         </p:txBody>
       </p:sp>
+      <p:sp>
+        <p:nvSpPr>
+          <p:cNvPr id="7" name="TextBox 6"/>
+          <p:cNvSpPr txBox="1"/>
+          <p:nvPr/>
+        </p:nvSpPr>
+        <p:spPr>
+          <a:xfrm>
+            <a:off x="2209800" y="2054423"/>
+            <a:ext cx="1828800" cy="307777"/>
+          </a:xfrm>
+          <a:prstGeom prst="rect">
+            <a:avLst/>
+          </a:prstGeom>
+          <a:noFill/>
+        </p:spPr>
+        <p:txBody>
+          <a:bodyPr wrap="square" rtlCol="0">
+            <a:spAutoFit/>
+          </a:bodyPr>
+          <a:lstStyle/>
+          <a:p>
+            <a:r>
+              <a:rPr lang="en-US" dirty="0" smtClean="0">
+                <a:solidFill>
+                  <a:srgbClr val="000000"/>
+                </a:solidFill>
+              </a:rPr>
+              <a:t>Elysian Park (Upper)</a:t>
+            </a:r>
+            <a:endParaRPr lang="en-US" dirty="0">
+              <a:solidFill>
+                <a:srgbClr val="000000"/>
+              </a:solidFill>
+            </a:endParaRPr>
+          </a:p>
+        </p:txBody>
+      </p:sp>
+      <p:graphicFrame>
+        <p:nvGraphicFramePr>
+          <p:cNvPr id="167938" name="Object 2"/>
+          <p:cNvGraphicFramePr>
+            <a:graphicFrameLocks noChangeAspect="1"/>
+          </p:cNvGraphicFramePr>
+          <p:nvPr/>
+        </p:nvGraphicFramePr>
+        <p:xfrm>
+          <a:off x="7518400" y="2667000"/>
+          <a:ext cx="1320800" cy="609600"/>
+        </p:xfrm>
+        <a:graphic>
+          <a:graphicData uri="http://schemas.openxmlformats.org/presentationml/2006/ole">
+            <p:oleObj spid="_x0000_s167938" name="Equation" r:id="rId4" imgW="495300" imgH="228600" progId="Equation.DSMT4">
+              <p:embed/>
+            </p:oleObj>
+          </a:graphicData>
+        </a:graphic>
+      </p:graphicFrame>
     </p:spTree>
   </p:cSld>
   <p:clrMapOvr>
@@ -6487,7 +6540,7 @@
           <p:nvPr/>
         </p:nvPicPr>
         <p:blipFill>
-          <a:blip r:embed="rId2"/>
+          <a:blip r:embed="rId3"/>
           <a:stretch>
             <a:fillRect/>
           </a:stretch>
@@ -6672,6 +6725,26 @@
           </a:p>
         </p:txBody>
       </p:sp>
+      <p:graphicFrame>
+        <p:nvGraphicFramePr>
+          <p:cNvPr id="7" name="Object 6"/>
+          <p:cNvGraphicFramePr>
+            <a:graphicFrameLocks noChangeAspect="1"/>
+          </p:cNvGraphicFramePr>
+          <p:nvPr/>
+        </p:nvGraphicFramePr>
+        <p:xfrm>
+          <a:off x="7543799" y="2590800"/>
+          <a:ext cx="982133" cy="609600"/>
+        </p:xfrm>
+        <a:graphic>
+          <a:graphicData uri="http://schemas.openxmlformats.org/presentationml/2006/ole">
+            <p:oleObj spid="_x0000_s168962" name="Equation" r:id="rId4" imgW="368300" imgH="228600" progId="Equation.DSMT4">
+              <p:embed/>
+            </p:oleObj>
+          </a:graphicData>
+        </a:graphic>
+      </p:graphicFrame>
     </p:spTree>
   </p:cSld>
   <p:clrMapOvr>
@@ -8134,7 +8207,7 @@
               <a:buFont typeface="Wingdings" charset="2"/>
               <a:buChar char="§"/>
             </a:pPr>
-            <a:endParaRPr lang="en-US" smtClean="0">
+            <a:endParaRPr lang="en-US" dirty="0" smtClean="0">
               <a:solidFill>
                 <a:srgbClr val="000000"/>
               </a:solidFill>
@@ -8142,7 +8215,7 @@
           </a:p>
           <a:p>
             <a:r>
-              <a:rPr lang="en-US" smtClean="0">
+              <a:rPr lang="en-US" dirty="0" smtClean="0">
                 <a:solidFill>
                   <a:srgbClr val="000000"/>
                 </a:solidFill>
@@ -8151,7 +8224,7 @@
             </a:r>
           </a:p>
           <a:p>
-            <a:endParaRPr lang="en-US" smtClean="0">
+            <a:endParaRPr lang="en-US" dirty="0" smtClean="0">
               <a:solidFill>
                 <a:srgbClr val="000000"/>
               </a:solidFill>
@@ -8163,7 +8236,7 @@
               <a:buChar char="•"/>
             </a:pPr>
             <a:r>
-              <a:rPr lang="en-US" smtClean="0">
+              <a:rPr lang="en-US" dirty="0" smtClean="0">
                 <a:solidFill>
                   <a:srgbClr val="000000"/>
                 </a:solidFill>
@@ -8177,13 +8250,26 @@
               <a:buChar char="•"/>
             </a:pPr>
             <a:r>
-              <a:rPr lang="en-US" smtClean="0">
+              <a:rPr lang="en-US" dirty="0" smtClean="0">
                 <a:solidFill>
                   <a:srgbClr val="000000"/>
                 </a:solidFill>
               </a:rPr>
-              <a:t>     Capable to input updated coefficients and keep using the same model functionals</a:t>
-            </a:r>
+              <a:t>     Capable to input updated coefficients and keep using the same model </a:t>
+            </a:r>
+            <a:r>
+              <a:rPr lang="en-US" dirty="0" err="1" smtClean="0">
+                <a:solidFill>
+                  <a:srgbClr val="000000"/>
+                </a:solidFill>
+              </a:rPr>
+              <a:t>functionals</a:t>
+            </a:r>
+            <a:endParaRPr lang="en-US" dirty="0" smtClean="0">
+              <a:solidFill>
+                <a:srgbClr val="000000"/>
+              </a:solidFill>
+            </a:endParaRPr>
           </a:p>
           <a:p>
             <a:pPr>
@@ -8191,7 +8277,7 @@
               <a:buChar char="•"/>
             </a:pPr>
             <a:r>
-              <a:rPr lang="en-US" smtClean="0">
+              <a:rPr lang="en-US" dirty="0" smtClean="0">
                 <a:solidFill>
                   <a:srgbClr val="000000"/>
                 </a:solidFill>
@@ -8205,12 +8291,44 @@
               <a:buChar char="•"/>
             </a:pPr>
             <a:r>
-              <a:rPr lang="en-US" smtClean="0">
+              <a:rPr lang="en-US" dirty="0" smtClean="0">
                 <a:solidFill>
                   <a:srgbClr val="000000"/>
                 </a:solidFill>
               </a:rPr>
-              <a:t>     Build-in utilities to compute unknown parameters, such as Rjb, Rrup, and Rx based on fault geometry</a:t>
+              <a:t>     Build-in utilities to compute unknown parameters, such as </a:t>
+            </a:r>
+            <a:r>
+              <a:rPr lang="en-US" dirty="0" err="1" smtClean="0">
+                <a:solidFill>
+                  <a:srgbClr val="000000"/>
+                </a:solidFill>
+              </a:rPr>
+              <a:t>Rjb</a:t>
+            </a:r>
+            <a:r>
+              <a:rPr lang="en-US" dirty="0" smtClean="0">
+                <a:solidFill>
+                  <a:srgbClr val="000000"/>
+                </a:solidFill>
+              </a:rPr>
+              <a:t>, </a:t>
+            </a:r>
+            <a:r>
+              <a:rPr lang="en-US" dirty="0" err="1" smtClean="0">
+                <a:solidFill>
+                  <a:srgbClr val="000000"/>
+                </a:solidFill>
+              </a:rPr>
+              <a:t>Rrup</a:t>
+            </a:r>
+            <a:r>
+              <a:rPr lang="en-US" dirty="0" smtClean="0">
+                <a:solidFill>
+                  <a:srgbClr val="000000"/>
+                </a:solidFill>
+              </a:rPr>
+              <a:t>, and Rx based on fault geometry</a:t>
             </a:r>
           </a:p>
           <a:p>
@@ -8219,7 +8337,7 @@
               <a:buChar char="•"/>
             </a:pPr>
             <a:r>
-              <a:rPr lang="en-US" smtClean="0">
+              <a:rPr lang="en-US" dirty="0" smtClean="0">
                 <a:solidFill>
                   <a:srgbClr val="000000"/>
                 </a:solidFill>
@@ -8562,7 +8680,7 @@
           <p:nvPr/>
         </p:nvGraphicFramePr>
         <p:xfrm>
-          <a:off x="1504950" y="3978275"/>
+          <a:off x="1504950" y="3505200"/>
           <a:ext cx="5332413" cy="517525"/>
         </p:xfrm>
         <a:graphic>
@@ -8582,12 +8700,12 @@
           <p:nvPr/>
         </p:nvGraphicFramePr>
         <p:xfrm>
-          <a:off x="1585913" y="2362200"/>
-          <a:ext cx="5195887" cy="1143000"/>
+          <a:off x="1096963" y="2209800"/>
+          <a:ext cx="6175375" cy="1196975"/>
         </p:xfrm>
         <a:graphic>
           <a:graphicData uri="http://schemas.openxmlformats.org/presentationml/2006/ole">
-            <p:oleObj spid="_x0000_s159747" name="Equation" r:id="rId4" imgW="2425700" imgH="533400" progId="Equation.DSMT4">
+            <p:oleObj spid="_x0000_s159747" name="Equation" r:id="rId4" imgW="2882900" imgH="558800" progId="Equation.DSMT4">
               <p:embed/>
             </p:oleObj>
           </a:graphicData>
@@ -8601,8 +8719,8 @@
         </p:nvSpPr>
         <p:spPr>
           <a:xfrm>
-            <a:off x="228600" y="4924961"/>
-            <a:ext cx="7848600" cy="1323439"/>
+            <a:off x="228600" y="4074855"/>
+            <a:ext cx="7848600" cy="2246769"/>
           </a:xfrm>
           <a:prstGeom prst="rect">
             <a:avLst/>
@@ -8623,16 +8741,6 @@
               </a:rPr>
               <a:t>Results are presented in</a:t>
             </a:r>
-          </a:p>
-          <a:p>
-            <a:r>
-              <a:rPr lang="en-US" sz="2000" dirty="0" err="1" smtClean="0">
-                <a:solidFill>
-                  <a:srgbClr val="000000"/>
-                </a:solidFill>
-              </a:rPr>
-              <a:t>pynga/Validation/plots/ValiationNGAs</a:t>
-            </a:r>
             <a:endParaRPr lang="en-US" sz="2000" dirty="0" smtClean="0">
               <a:solidFill>
                 <a:srgbClr val="000000"/>
@@ -8640,6 +8748,24 @@
             </a:endParaRPr>
           </a:p>
           <a:p>
+            <a:r>
+              <a:rPr lang="en-US" sz="2000" dirty="0" smtClean="0">
+                <a:solidFill>
+                  <a:srgbClr val="000000"/>
+                </a:solidFill>
+                <a:hlinkClick r:id="rId5"/>
+              </a:rPr>
+              <a:t>https://github.com/fengw/pynga/tree/master/Validation/plots/</a:t>
+            </a:r>
+            <a:r>
+              <a:rPr lang="en-US" sz="2000" dirty="0" smtClean="0">
+                <a:solidFill>
+                  <a:srgbClr val="000000"/>
+                </a:solidFill>
+                <a:hlinkClick r:id="rId5"/>
+              </a:rPr>
+              <a:t>ValidationNGAs</a:t>
+            </a:r>
             <a:endParaRPr lang="en-US" sz="2000" dirty="0" smtClean="0">
               <a:solidFill>
                 <a:srgbClr val="000000"/>
@@ -8647,6 +8773,13 @@
             </a:endParaRPr>
           </a:p>
           <a:p>
+            <a:endParaRPr lang="en-US" sz="2000" dirty="0" smtClean="0">
+              <a:solidFill>
+                <a:srgbClr val="000000"/>
+              </a:solidFill>
+            </a:endParaRPr>
+          </a:p>
+          <a:p>
             <a:r>
               <a:rPr lang="en-US" sz="2000" b="1" i="1" dirty="0" smtClean="0">
                 <a:solidFill>
@@ -8678,6 +8811,48 @@
                 </a:solidFill>
               </a:rPr>
               <a:t>for PGA, PGV, and SA at various periods</a:t>
+            </a:r>
+          </a:p>
+          <a:p>
+            <a:r>
+              <a:rPr lang="en-US" sz="2000" dirty="0" smtClean="0">
+                <a:solidFill>
+                  <a:srgbClr val="000000"/>
+                </a:solidFill>
+              </a:rPr>
+              <a:t>Differences in </a:t>
+            </a:r>
+            <a:r>
+              <a:rPr lang="en-US" sz="2000" b="1" i="1" dirty="0" smtClean="0">
+                <a:solidFill>
+                  <a:srgbClr val="000000"/>
+                </a:solidFill>
+              </a:rPr>
+              <a:t>scatter</a:t>
+            </a:r>
+            <a:r>
+              <a:rPr lang="en-US" sz="2000" dirty="0" smtClean="0">
+                <a:solidFill>
+                  <a:srgbClr val="000000"/>
+                </a:solidFill>
+              </a:rPr>
+              <a:t> are due to the float points in the results, and </a:t>
+            </a:r>
+            <a:r>
+              <a:rPr lang="en-US" sz="2000" dirty="0" err="1" smtClean="0">
+                <a:solidFill>
+                  <a:srgbClr val="000000"/>
+                </a:solidFill>
+              </a:rPr>
+              <a:t>pynga</a:t>
+            </a:r>
+            <a:r>
+              <a:rPr lang="en-US" sz="2000" dirty="0" smtClean="0">
+                <a:solidFill>
+                  <a:srgbClr val="000000"/>
+                </a:solidFill>
+              </a:rPr>
+              <a:t> has longer float points.</a:t>
             </a:r>
           </a:p>
         </p:txBody>
@@ -8968,7 +9143,7 @@
           <a:p>
             <a:pPr algn="just"/>
             <a:r>
-              <a:rPr lang="en-US" sz="2000" dirty="0" err="1" smtClean="0">
+              <a:rPr lang="en-US" sz="2000" b="1" dirty="0" err="1" smtClean="0">
                 <a:solidFill>
                   <a:srgbClr val="000000"/>
                 </a:solidFill>
@@ -8976,12 +9151,20 @@
               <a:t>utils.py</a:t>
             </a:r>
             <a:r>
+              <a:rPr lang="en-US" sz="2000" b="1" dirty="0" smtClean="0">
+                <a:solidFill>
+                  <a:srgbClr val="000000"/>
+                </a:solidFill>
+              </a:rPr>
+              <a:t> </a:t>
+            </a:r>
+            <a:r>
               <a:rPr lang="en-US" sz="2000" dirty="0" smtClean="0">
                 <a:solidFill>
                   <a:srgbClr val="000000"/>
                 </a:solidFill>
               </a:rPr>
-              <a:t> provides functions to generate fault surface and </a:t>
+              <a:t>provides functions to generate fault surface and </a:t>
             </a:r>
             <a:r>
               <a:rPr lang="en-US" sz="2000" dirty="0" err="1" smtClean="0">
@@ -9281,7 +9464,7 @@
           </a:p>
           <a:p>
             <a:r>
-              <a:rPr lang="en-US" sz="1800" dirty="0" err="1" smtClean="0">
+              <a:rPr lang="en-US" sz="1800" b="1" dirty="0" err="1" smtClean="0">
                 <a:solidFill>
                   <a:srgbClr val="000000"/>
                 </a:solidFill>
@@ -9289,12 +9472,20 @@
               <a:t>utils.py</a:t>
             </a:r>
             <a:r>
+              <a:rPr lang="en-US" sz="1800" b="1" dirty="0" smtClean="0">
+                <a:solidFill>
+                  <a:srgbClr val="000000"/>
+                </a:solidFill>
+              </a:rPr>
+              <a:t> </a:t>
+            </a:r>
+            <a:r>
               <a:rPr lang="en-US" sz="1800" dirty="0" smtClean="0">
                 <a:solidFill>
                   <a:srgbClr val="000000"/>
                 </a:solidFill>
               </a:rPr>
-              <a:t> provides functions to generate fault surface (different choices) and </a:t>
+              <a:t>provides functions to generate fault surface (different choices) and </a:t>
             </a:r>
             <a:r>
               <a:rPr lang="en-US" sz="1800" dirty="0" err="1" smtClean="0">
